--- a/Presentation and Report/VectorFieldsPresentation.pptx
+++ b/Presentation and Report/VectorFieldsPresentation.pptx
@@ -861,7 +861,7 @@
           <a:p>
             <a:fld id="{2B7CDF4B-0164-4F4D-8304-394DF728F53A}" type="datetimeFigureOut">
               <a:rPr lang="en-CA" smtClean="0"/>
-              <a:t>2018-08-23</a:t>
+              <a:t>2019-01-14</a:t>
             </a:fld>
             <a:endParaRPr lang="en-CA" dirty="0"/>
           </a:p>
@@ -1112,7 +1112,7 @@
           <a:p>
             <a:fld id="{2B7CDF4B-0164-4F4D-8304-394DF728F53A}" type="datetimeFigureOut">
               <a:rPr lang="en-CA" smtClean="0"/>
-              <a:t>2018-08-23</a:t>
+              <a:t>2019-01-14</a:t>
             </a:fld>
             <a:endParaRPr lang="en-CA" dirty="0"/>
           </a:p>
@@ -1426,7 +1426,7 @@
           <a:p>
             <a:fld id="{2B7CDF4B-0164-4F4D-8304-394DF728F53A}" type="datetimeFigureOut">
               <a:rPr lang="en-CA" smtClean="0"/>
-              <a:t>2018-08-23</a:t>
+              <a:t>2019-01-14</a:t>
             </a:fld>
             <a:endParaRPr lang="en-CA" dirty="0"/>
           </a:p>
@@ -1767,7 +1767,7 @@
           <a:p>
             <a:fld id="{2B7CDF4B-0164-4F4D-8304-394DF728F53A}" type="datetimeFigureOut">
               <a:rPr lang="en-CA" smtClean="0"/>
-              <a:t>2018-08-23</a:t>
+              <a:t>2019-01-14</a:t>
             </a:fld>
             <a:endParaRPr lang="en-CA" dirty="0"/>
           </a:p>
@@ -2081,7 +2081,7 @@
           <a:p>
             <a:fld id="{2B7CDF4B-0164-4F4D-8304-394DF728F53A}" type="datetimeFigureOut">
               <a:rPr lang="en-CA" smtClean="0"/>
-              <a:t>2018-08-23</a:t>
+              <a:t>2019-01-14</a:t>
             </a:fld>
             <a:endParaRPr lang="en-CA" dirty="0"/>
           </a:p>
@@ -2474,7 +2474,7 @@
           <a:p>
             <a:fld id="{2B7CDF4B-0164-4F4D-8304-394DF728F53A}" type="datetimeFigureOut">
               <a:rPr lang="en-CA" smtClean="0"/>
-              <a:t>2018-08-23</a:t>
+              <a:t>2019-01-14</a:t>
             </a:fld>
             <a:endParaRPr lang="en-CA" dirty="0"/>
           </a:p>
@@ -2644,7 +2644,7 @@
           <a:p>
             <a:fld id="{2B7CDF4B-0164-4F4D-8304-394DF728F53A}" type="datetimeFigureOut">
               <a:rPr lang="en-CA" smtClean="0"/>
-              <a:t>2018-08-23</a:t>
+              <a:t>2019-01-14</a:t>
             </a:fld>
             <a:endParaRPr lang="en-CA" dirty="0"/>
           </a:p>
@@ -2824,7 +2824,7 @@
           <a:p>
             <a:fld id="{2B7CDF4B-0164-4F4D-8304-394DF728F53A}" type="datetimeFigureOut">
               <a:rPr lang="en-CA" smtClean="0"/>
-              <a:t>2018-08-23</a:t>
+              <a:t>2019-01-14</a:t>
             </a:fld>
             <a:endParaRPr lang="en-CA" dirty="0"/>
           </a:p>
@@ -3000,7 +3000,7 @@
           <a:p>
             <a:fld id="{2B7CDF4B-0164-4F4D-8304-394DF728F53A}" type="datetimeFigureOut">
               <a:rPr lang="en-CA" smtClean="0"/>
-              <a:t>2018-08-23</a:t>
+              <a:t>2019-01-14</a:t>
             </a:fld>
             <a:endParaRPr lang="en-CA" dirty="0"/>
           </a:p>
@@ -3247,7 +3247,7 @@
           <a:p>
             <a:fld id="{2B7CDF4B-0164-4F4D-8304-394DF728F53A}" type="datetimeFigureOut">
               <a:rPr lang="en-CA" smtClean="0"/>
-              <a:t>2018-08-23</a:t>
+              <a:t>2019-01-14</a:t>
             </a:fld>
             <a:endParaRPr lang="en-CA" dirty="0"/>
           </a:p>
@@ -3479,7 +3479,7 @@
           <a:p>
             <a:fld id="{2B7CDF4B-0164-4F4D-8304-394DF728F53A}" type="datetimeFigureOut">
               <a:rPr lang="en-CA" smtClean="0"/>
-              <a:t>2018-08-23</a:t>
+              <a:t>2019-01-14</a:t>
             </a:fld>
             <a:endParaRPr lang="en-CA" dirty="0"/>
           </a:p>
@@ -3853,7 +3853,7 @@
           <a:p>
             <a:fld id="{2B7CDF4B-0164-4F4D-8304-394DF728F53A}" type="datetimeFigureOut">
               <a:rPr lang="en-CA" smtClean="0"/>
-              <a:t>2018-08-23</a:t>
+              <a:t>2019-01-14</a:t>
             </a:fld>
             <a:endParaRPr lang="en-CA" dirty="0"/>
           </a:p>
@@ -3976,7 +3976,7 @@
           <a:p>
             <a:fld id="{2B7CDF4B-0164-4F4D-8304-394DF728F53A}" type="datetimeFigureOut">
               <a:rPr lang="en-CA" smtClean="0"/>
-              <a:t>2018-08-23</a:t>
+              <a:t>2019-01-14</a:t>
             </a:fld>
             <a:endParaRPr lang="en-CA" dirty="0"/>
           </a:p>
@@ -4071,7 +4071,7 @@
           <a:p>
             <a:fld id="{2B7CDF4B-0164-4F4D-8304-394DF728F53A}" type="datetimeFigureOut">
               <a:rPr lang="en-CA" smtClean="0"/>
-              <a:t>2018-08-23</a:t>
+              <a:t>2019-01-14</a:t>
             </a:fld>
             <a:endParaRPr lang="en-CA" dirty="0"/>
           </a:p>
@@ -4326,7 +4326,7 @@
           <a:p>
             <a:fld id="{2B7CDF4B-0164-4F4D-8304-394DF728F53A}" type="datetimeFigureOut">
               <a:rPr lang="en-CA" smtClean="0"/>
-              <a:t>2018-08-23</a:t>
+              <a:t>2019-01-14</a:t>
             </a:fld>
             <a:endParaRPr lang="en-CA" dirty="0"/>
           </a:p>
@@ -4589,7 +4589,7 @@
           <a:p>
             <a:fld id="{2B7CDF4B-0164-4F4D-8304-394DF728F53A}" type="datetimeFigureOut">
               <a:rPr lang="en-CA" smtClean="0"/>
-              <a:t>2018-08-23</a:t>
+              <a:t>2019-01-14</a:t>
             </a:fld>
             <a:endParaRPr lang="en-CA" dirty="0"/>
           </a:p>
@@ -5332,7 +5332,7 @@
           <a:p>
             <a:fld id="{2B7CDF4B-0164-4F4D-8304-394DF728F53A}" type="datetimeFigureOut">
               <a:rPr lang="en-CA" smtClean="0"/>
-              <a:t>2018-08-23</a:t>
+              <a:t>2019-01-14</a:t>
             </a:fld>
             <a:endParaRPr lang="en-CA" dirty="0"/>
           </a:p>
@@ -10302,7 +10302,7 @@
 </file>
 
 <file path=ppt/slides/slide5.xml><?xml version="1.0" encoding="utf-8"?>
-<p:sld xmlns:a="http://schemas.openxmlformats.org/drawingml/2006/main" xmlns:r="http://schemas.openxmlformats.org/officeDocument/2006/relationships" xmlns:p="http://schemas.openxmlformats.org/presentationml/2006/main" show="0">
+<p:sld xmlns:a="http://schemas.openxmlformats.org/drawingml/2006/main" xmlns:r="http://schemas.openxmlformats.org/officeDocument/2006/relationships" xmlns:p="http://schemas.openxmlformats.org/presentationml/2006/main">
   <p:cSld>
     <p:spTree>
       <p:nvGrpSpPr>
@@ -10561,11 +10561,11 @@
   <p:clrMapOvr>
     <a:masterClrMapping/>
   </p:clrMapOvr>
-  <mc:AlternateContent xmlns:mc="http://schemas.openxmlformats.org/markup-compatibility/2006" xmlns:p14="http://schemas.microsoft.com/office/powerpoint/2010/main">
-    <mc:Choice Requires="p14">
+  <mc:AlternateContent xmlns:mc="http://schemas.openxmlformats.org/markup-compatibility/2006">
+    <mc:Choice xmlns:p14="http://schemas.microsoft.com/office/powerpoint/2010/main" Requires="p14">
       <p:transition spd="slow" p14:dur="2000"/>
     </mc:Choice>
-    <mc:Fallback xmlns="">
+    <mc:Fallback>
       <p:transition spd="slow"/>
     </mc:Fallback>
   </mc:AlternateContent>
@@ -11065,7 +11065,7 @@
 </file>
 
 <file path=ppt/slides/slide8.xml><?xml version="1.0" encoding="utf-8"?>
-<p:sld xmlns:a="http://schemas.openxmlformats.org/drawingml/2006/main" xmlns:r="http://schemas.openxmlformats.org/officeDocument/2006/relationships" xmlns:p="http://schemas.openxmlformats.org/presentationml/2006/main" show="0">
+<p:sld xmlns:a="http://schemas.openxmlformats.org/drawingml/2006/main" xmlns:r="http://schemas.openxmlformats.org/officeDocument/2006/relationships" xmlns:p="http://schemas.openxmlformats.org/presentationml/2006/main">
   <p:cSld>
     <p:spTree>
       <p:nvGrpSpPr>
@@ -11305,11 +11305,11 @@
   <p:clrMapOvr>
     <a:masterClrMapping/>
   </p:clrMapOvr>
-  <mc:AlternateContent xmlns:mc="http://schemas.openxmlformats.org/markup-compatibility/2006" xmlns:p14="http://schemas.microsoft.com/office/powerpoint/2010/main">
-    <mc:Choice Requires="p14">
+  <mc:AlternateContent xmlns:mc="http://schemas.openxmlformats.org/markup-compatibility/2006">
+    <mc:Choice xmlns:p14="http://schemas.microsoft.com/office/powerpoint/2010/main" Requires="p14">
       <p:transition spd="slow" p14:dur="2000"/>
     </mc:Choice>
-    <mc:Fallback xmlns="">
+    <mc:Fallback>
       <p:transition spd="slow"/>
     </mc:Fallback>
   </mc:AlternateContent>
@@ -11324,7 +11324,7 @@
 </file>
 
 <file path=ppt/slides/slide9.xml><?xml version="1.0" encoding="utf-8"?>
-<p:sld xmlns:a="http://schemas.openxmlformats.org/drawingml/2006/main" xmlns:r="http://schemas.openxmlformats.org/officeDocument/2006/relationships" xmlns:p="http://schemas.openxmlformats.org/presentationml/2006/main" show="0">
+<p:sld xmlns:a="http://schemas.openxmlformats.org/drawingml/2006/main" xmlns:r="http://schemas.openxmlformats.org/officeDocument/2006/relationships" xmlns:p="http://schemas.openxmlformats.org/presentationml/2006/main">
   <p:cSld>
     <p:spTree>
       <p:nvGrpSpPr>
@@ -11385,15 +11385,7 @@
           <a:p>
             <a:r>
               <a:rPr lang="en-CA" dirty="0" smtClean="0"/>
-              <a:t>Vector fields can be represented as a series of polar </a:t>
-            </a:r>
-            <a:r>
-              <a:rPr lang="en-CA" dirty="0" smtClean="0"/>
-              <a:t>or </a:t>
-            </a:r>
-            <a:r>
-              <a:rPr lang="en-CA" dirty="0" smtClean="0"/>
-              <a:t>axial vector spherical harmonics</a:t>
+              <a:t>Vector fields can be represented as a series of polar or axial vector spherical harmonics</a:t>
             </a:r>
             <a:r>
               <a:rPr lang="en-CA" baseline="30000" dirty="0" smtClean="0"/>
@@ -11666,11 +11658,11 @@
   <p:clrMapOvr>
     <a:masterClrMapping/>
   </p:clrMapOvr>
-  <mc:AlternateContent xmlns:mc="http://schemas.openxmlformats.org/markup-compatibility/2006" xmlns:p14="http://schemas.microsoft.com/office/powerpoint/2010/main">
-    <mc:Choice Requires="p14">
+  <mc:AlternateContent xmlns:mc="http://schemas.openxmlformats.org/markup-compatibility/2006">
+    <mc:Choice xmlns:p14="http://schemas.microsoft.com/office/powerpoint/2010/main" Requires="p14">
       <p:transition spd="slow" p14:dur="2000"/>
     </mc:Choice>
-    <mc:Fallback xmlns="">
+    <mc:Fallback>
       <p:transition spd="slow"/>
     </mc:Fallback>
   </mc:AlternateContent>
